--- a/Time-Card/ДОКУМЕНТЫ/МАТЕРИАЛ СТАТЬИ/Синхронизация кейсы на испанском.pptx
+++ b/Time-Card/ДОКУМЕНТЫ/МАТЕРИАЛ СТАТЬИ/Синхронизация кейсы на испанском.pptx
@@ -242,7 +242,7 @@
           <a:p>
             <a:fld id="{BC4FC01A-EA4D-447D-913B-6E461C068B78}" type="datetimeFigureOut">
               <a:rPr lang="ru-RU" smtClean="0"/>
-              <a:t>15.06.2024</a:t>
+              <a:t>16.06.2024</a:t>
             </a:fld>
             <a:endParaRPr lang="ru-RU"/>
           </a:p>
@@ -2602,7 +2602,7 @@
           <a:p>
             <a:fld id="{1D8BD707-D9CF-40AE-B4C6-C98DA3205C09}" type="datetimeFigureOut">
               <a:rPr lang="en-US" smtClean="0"/>
-              <a:t>6/15/2024</a:t>
+              <a:t>6/16/2024</a:t>
             </a:fld>
             <a:endParaRPr lang="en-US"/>
           </a:p>
@@ -2800,7 +2800,7 @@
           <a:p>
             <a:fld id="{1D8BD707-D9CF-40AE-B4C6-C98DA3205C09}" type="datetimeFigureOut">
               <a:rPr lang="en-US" smtClean="0"/>
-              <a:t>6/15/2024</a:t>
+              <a:t>6/16/2024</a:t>
             </a:fld>
             <a:endParaRPr lang="en-US"/>
           </a:p>
@@ -3008,7 +3008,7 @@
           <a:p>
             <a:fld id="{1D8BD707-D9CF-40AE-B4C6-C98DA3205C09}" type="datetimeFigureOut">
               <a:rPr lang="en-US" smtClean="0"/>
-              <a:t>6/15/2024</a:t>
+              <a:t>6/16/2024</a:t>
             </a:fld>
             <a:endParaRPr lang="en-US"/>
           </a:p>
@@ -3183,7 +3183,7 @@
           <a:p>
             <a:fld id="{1D8BD707-D9CF-40AE-B4C6-C98DA3205C09}" type="datetimeFigureOut">
               <a:rPr lang="en-US"/>
-              <a:t>6/15/2024</a:t>
+              <a:t>6/16/2024</a:t>
             </a:fld>
             <a:endParaRPr lang="en-US"/>
           </a:p>
@@ -3315,7 +3315,7 @@
           <a:p>
             <a:fld id="{1D8BD707-D9CF-40AE-B4C6-C98DA3205C09}" type="datetimeFigureOut">
               <a:rPr lang="en-US"/>
-              <a:t>6/15/2024</a:t>
+              <a:t>6/16/2024</a:t>
             </a:fld>
             <a:endParaRPr lang="en-US"/>
           </a:p>
@@ -4581,7 +4581,7 @@
           <a:p>
             <a:fld id="{1D8BD707-D9CF-40AE-B4C6-C98DA3205C09}" type="datetimeFigureOut">
               <a:rPr lang="en-US" smtClean="0"/>
-              <a:t>6/15/2024</a:t>
+              <a:t>6/16/2024</a:t>
             </a:fld>
             <a:endParaRPr lang="en-US"/>
           </a:p>
@@ -4856,7 +4856,7 @@
           <a:p>
             <a:fld id="{1D8BD707-D9CF-40AE-B4C6-C98DA3205C09}" type="datetimeFigureOut">
               <a:rPr lang="en-US" smtClean="0"/>
-              <a:t>6/15/2024</a:t>
+              <a:t>6/16/2024</a:t>
             </a:fld>
             <a:endParaRPr lang="en-US"/>
           </a:p>
@@ -5121,7 +5121,7 @@
           <a:p>
             <a:fld id="{1D8BD707-D9CF-40AE-B4C6-C98DA3205C09}" type="datetimeFigureOut">
               <a:rPr lang="en-US" smtClean="0"/>
-              <a:t>6/15/2024</a:t>
+              <a:t>6/16/2024</a:t>
             </a:fld>
             <a:endParaRPr lang="en-US"/>
           </a:p>
@@ -5533,7 +5533,7 @@
           <a:p>
             <a:fld id="{1D8BD707-D9CF-40AE-B4C6-C98DA3205C09}" type="datetimeFigureOut">
               <a:rPr lang="en-US" smtClean="0"/>
-              <a:t>6/15/2024</a:t>
+              <a:t>6/16/2024</a:t>
             </a:fld>
             <a:endParaRPr lang="en-US"/>
           </a:p>
@@ -5674,7 +5674,7 @@
           <a:p>
             <a:fld id="{1D8BD707-D9CF-40AE-B4C6-C98DA3205C09}" type="datetimeFigureOut">
               <a:rPr lang="en-US" smtClean="0"/>
-              <a:t>6/15/2024</a:t>
+              <a:t>6/16/2024</a:t>
             </a:fld>
             <a:endParaRPr lang="en-US"/>
           </a:p>
@@ -5787,7 +5787,7 @@
           <a:p>
             <a:fld id="{1D8BD707-D9CF-40AE-B4C6-C98DA3205C09}" type="datetimeFigureOut">
               <a:rPr lang="en-US" smtClean="0"/>
-              <a:t>6/15/2024</a:t>
+              <a:t>6/16/2024</a:t>
             </a:fld>
             <a:endParaRPr lang="en-US"/>
           </a:p>
@@ -6098,7 +6098,7 @@
           <a:p>
             <a:fld id="{1D8BD707-D9CF-40AE-B4C6-C98DA3205C09}" type="datetimeFigureOut">
               <a:rPr lang="en-US" smtClean="0"/>
-              <a:t>6/15/2024</a:t>
+              <a:t>6/16/2024</a:t>
             </a:fld>
             <a:endParaRPr lang="en-US"/>
           </a:p>
@@ -6386,7 +6386,7 @@
           <a:p>
             <a:fld id="{1D8BD707-D9CF-40AE-B4C6-C98DA3205C09}" type="datetimeFigureOut">
               <a:rPr lang="en-US" smtClean="0"/>
-              <a:t>6/15/2024</a:t>
+              <a:t>6/16/2024</a:t>
             </a:fld>
             <a:endParaRPr lang="en-US"/>
           </a:p>
@@ -6627,7 +6627,7 @@
           <a:p>
             <a:fld id="{1D8BD707-D9CF-40AE-B4C6-C98DA3205C09}" type="datetimeFigureOut">
               <a:rPr lang="en-US" smtClean="0"/>
-              <a:t>6/15/2024</a:t>
+              <a:t>6/16/2024</a:t>
             </a:fld>
             <a:endParaRPr lang="en-US"/>
           </a:p>
@@ -7217,7 +7217,7 @@
         </p:nvGrpSpPr>
         <p:grpSpPr>
           <a:xfrm>
-            <a:off x="2899010" y="1812738"/>
+            <a:off x="2971800" y="1803476"/>
             <a:ext cx="974913" cy="974913"/>
             <a:chOff x="4167000" y="2166750"/>
             <a:chExt cx="810000" cy="810000"/>
@@ -15774,8 +15774,8 @@
         </p:nvSpPr>
         <p:spPr>
           <a:xfrm>
-            <a:off x="2854721" y="366355"/>
-            <a:ext cx="8458200" cy="443070"/>
+            <a:off x="2971800" y="215012"/>
+            <a:ext cx="8803879" cy="874598"/>
           </a:xfrm>
           <a:prstGeom prst="rect">
             <a:avLst/>
@@ -15808,7 +15808,7 @@
           <a:p>
             <a:r>
               <a:rPr lang="es-ES" dirty="0"/>
-              <a:t>Precisión del tiempo hoy y mañana</a:t>
+              <a:t>Requisitos de precisión de sincronización: presente y futuro</a:t>
             </a:r>
             <a:endParaRPr lang="pt-BR" dirty="0"/>
           </a:p>
@@ -15828,7 +15828,7 @@
         </p:nvGrpSpPr>
         <p:grpSpPr>
           <a:xfrm>
-            <a:off x="1717378" y="183706"/>
+            <a:off x="1981200" y="248127"/>
             <a:ext cx="846528" cy="808368"/>
             <a:chOff x="4167000" y="2166750"/>
             <a:chExt cx="810000" cy="810000"/>
@@ -35227,65 +35227,28 @@
           </a:p>
         </p:txBody>
       </p:sp>
-      <p:grpSp>
-        <p:nvGrpSpPr>
-          <p:cNvPr id="3" name="object 3"/>
-          <p:cNvGrpSpPr/>
+      <p:pic>
+        <p:nvPicPr>
+          <p:cNvPr id="6" name="object 6"/>
+          <p:cNvPicPr/>
           <p:nvPr/>
-        </p:nvGrpSpPr>
-        <p:grpSpPr>
+        </p:nvPicPr>
+        <p:blipFill>
+          <a:blip r:embed="rId2" cstate="print"/>
+          <a:stretch>
+            <a:fillRect/>
+          </a:stretch>
+        </p:blipFill>
+        <p:spPr>
           <a:xfrm>
-            <a:off x="7943177" y="3035027"/>
-            <a:ext cx="1335022" cy="2532567"/>
-            <a:chOff x="7876496" y="2432077"/>
-            <a:chExt cx="1335022" cy="2532567"/>
-          </a:xfrm>
-        </p:grpSpPr>
-        <p:pic>
-          <p:nvPicPr>
-            <p:cNvPr id="6" name="object 6"/>
-            <p:cNvPicPr/>
-            <p:nvPr/>
-          </p:nvPicPr>
-          <p:blipFill>
-            <a:blip r:embed="rId2" cstate="print"/>
-            <a:stretch>
-              <a:fillRect/>
-            </a:stretch>
-          </p:blipFill>
-          <p:spPr>
-            <a:xfrm>
-              <a:off x="7876496" y="2432077"/>
-              <a:ext cx="1094231" cy="1645919"/>
-            </a:xfrm>
-            <a:prstGeom prst="rect">
-              <a:avLst/>
-            </a:prstGeom>
-          </p:spPr>
-        </p:pic>
-        <p:pic>
-          <p:nvPicPr>
-            <p:cNvPr id="7" name="object 7"/>
-            <p:cNvPicPr/>
-            <p:nvPr/>
-          </p:nvPicPr>
-          <p:blipFill>
-            <a:blip r:embed="rId3" cstate="print"/>
-            <a:stretch>
-              <a:fillRect/>
-            </a:stretch>
-          </p:blipFill>
-          <p:spPr>
-            <a:xfrm>
-              <a:off x="8423611" y="4213312"/>
-              <a:ext cx="787907" cy="751332"/>
-            </a:xfrm>
-            <a:prstGeom prst="rect">
-              <a:avLst/>
-            </a:prstGeom>
-          </p:spPr>
-        </p:pic>
-      </p:grpSp>
+            <a:off x="7826659" y="2969648"/>
+            <a:ext cx="1094231" cy="1645919"/>
+          </a:xfrm>
+          <a:prstGeom prst="rect">
+            <a:avLst/>
+          </a:prstGeom>
+        </p:spPr>
+      </p:pic>
       <p:sp>
         <p:nvSpPr>
           <p:cNvPr id="9" name="object 9"/>
@@ -35623,7 +35586,7 @@
         </p:nvSpPr>
         <p:spPr>
           <a:xfrm>
-            <a:off x="9424914" y="4846892"/>
+            <a:off x="9148482" y="5345738"/>
             <a:ext cx="1489075" cy="443711"/>
           </a:xfrm>
           <a:prstGeom prst="rect">
@@ -35787,7 +35750,7 @@
           <p:nvPr/>
         </p:nvPicPr>
         <p:blipFill>
-          <a:blip r:embed="rId4" cstate="print">
+          <a:blip r:embed="rId3" cstate="print">
             <a:extLst>
               <a:ext uri="{28A0092B-C50C-407E-A947-70E740481C1C}">
                 <a14:useLocalDpi xmlns:a14="http://schemas.microsoft.com/office/drawing/2010/main" val="0"/>
@@ -35821,7 +35784,7 @@
           <p:nvPr/>
         </p:nvPicPr>
         <p:blipFill>
-          <a:blip r:embed="rId5" cstate="print"/>
+          <a:blip r:embed="rId4" cstate="print"/>
           <a:stretch>
             <a:fillRect/>
           </a:stretch>
@@ -35849,7 +35812,7 @@
           <p:nvPr/>
         </p:nvPicPr>
         <p:blipFill>
-          <a:blip r:embed="rId6" cstate="print"/>
+          <a:blip r:embed="rId5" cstate="print"/>
           <a:stretch>
             <a:fillRect/>
           </a:stretch>
@@ -36274,6 +36237,42 @@
           </p:sp>
         </p:grpSp>
       </p:grpSp>
+      <p:pic>
+        <p:nvPicPr>
+          <p:cNvPr id="22" name="Рисунок 21">
+            <a:extLst>
+              <a:ext uri="{FF2B5EF4-FFF2-40B4-BE49-F238E27FC236}">
+                <a16:creationId xmlns:a16="http://schemas.microsoft.com/office/drawing/2014/main" id="{3AB1F2D1-C899-4250-B761-4494BF5EACD8}"/>
+              </a:ext>
+            </a:extLst>
+          </p:cNvPr>
+          <p:cNvPicPr>
+            <a:picLocks noChangeAspect="1"/>
+          </p:cNvPicPr>
+          <p:nvPr/>
+        </p:nvPicPr>
+        <p:blipFill>
+          <a:blip r:embed="rId6" cstate="print">
+            <a:extLst>
+              <a:ext uri="{28A0092B-C50C-407E-A947-70E740481C1C}">
+                <a14:useLocalDpi xmlns:a14="http://schemas.microsoft.com/office/drawing/2010/main" val="0"/>
+              </a:ext>
+            </a:extLst>
+          </a:blip>
+          <a:stretch>
+            <a:fillRect/>
+          </a:stretch>
+        </p:blipFill>
+        <p:spPr>
+          <a:xfrm rot="997331">
+            <a:off x="8382000" y="4191571"/>
+            <a:ext cx="823501" cy="1999562"/>
+          </a:xfrm>
+          <a:prstGeom prst="rect">
+            <a:avLst/>
+          </a:prstGeom>
+        </p:spPr>
+      </p:pic>
     </p:spTree>
   </p:cSld>
   <p:clrMapOvr>
